--- a/HUGO_ppt_final.pptx
+++ b/HUGO_ppt_final.pptx
@@ -17013,7 +17013,7 @@
         <p:spPr>
           <a:xfrm>
             <a:off x="660400" y="138935"/>
-            <a:ext cx="3140603" cy="615553"/>
+            <a:ext cx="4449823" cy="615553"/>
           </a:xfrm>
           <a:prstGeom prst="rect">
             <a:avLst/>
@@ -24584,7 +24584,7 @@
         <p:spPr>
           <a:xfrm>
             <a:off x="996728" y="4709432"/>
-            <a:ext cx="2593980" cy="584775"/>
+            <a:ext cx="3928300" cy="584775"/>
           </a:xfrm>
           <a:prstGeom prst="rect">
             <a:avLst/>
@@ -24597,7 +24597,6 @@
           </a:bodyPr>
           <a:lstStyle/>
           <a:p>
-            <a:pPr algn="ctr"/>
             <a:r>
               <a:rPr lang="ko-KR" altLang="en-US" sz="3200" spc="-300" dirty="0">
                 <a:latin typeface="+mn-ea"/>
